--- a/week 2 visualization ggplot2/Pengenalan Statistik Komputasi.pptx
+++ b/week 2 visualization ggplot2/Pengenalan Statistik Komputasi.pptx
@@ -210,7 +210,7 @@
           <a:p>
             <a:fld id="{11D7EE57-50C2-48F8-A365-4D402C3277E8}" type="datetimeFigureOut">
               <a:rPr lang="en-ID" smtClean="0"/>
-              <a:t>16/09/2020</a:t>
+              <a:t>09/11/2023</a:t>
             </a:fld>
             <a:endParaRPr lang="en-ID"/>
           </a:p>
@@ -627,7 +627,7 @@
           <a:p>
             <a:fld id="{E8E0D8E0-1470-4F59-AEE9-F40E8DEA8D82}" type="datetimeFigureOut">
               <a:rPr lang="en-ID" smtClean="0"/>
-              <a:t>16/09/2020</a:t>
+              <a:t>09/11/2023</a:t>
             </a:fld>
             <a:endParaRPr lang="en-ID"/>
           </a:p>
@@ -827,7 +827,7 @@
           <a:p>
             <a:fld id="{E8E0D8E0-1470-4F59-AEE9-F40E8DEA8D82}" type="datetimeFigureOut">
               <a:rPr lang="en-ID" smtClean="0"/>
-              <a:t>16/09/2020</a:t>
+              <a:t>09/11/2023</a:t>
             </a:fld>
             <a:endParaRPr lang="en-ID"/>
           </a:p>
@@ -1037,7 +1037,7 @@
           <a:p>
             <a:fld id="{E8E0D8E0-1470-4F59-AEE9-F40E8DEA8D82}" type="datetimeFigureOut">
               <a:rPr lang="en-ID" smtClean="0"/>
-              <a:t>16/09/2020</a:t>
+              <a:t>09/11/2023</a:t>
             </a:fld>
             <a:endParaRPr lang="en-ID"/>
           </a:p>
@@ -1237,7 +1237,7 @@
           <a:p>
             <a:fld id="{E8E0D8E0-1470-4F59-AEE9-F40E8DEA8D82}" type="datetimeFigureOut">
               <a:rPr lang="en-ID" smtClean="0"/>
-              <a:t>16/09/2020</a:t>
+              <a:t>09/11/2023</a:t>
             </a:fld>
             <a:endParaRPr lang="en-ID"/>
           </a:p>
@@ -1513,7 +1513,7 @@
           <a:p>
             <a:fld id="{E8E0D8E0-1470-4F59-AEE9-F40E8DEA8D82}" type="datetimeFigureOut">
               <a:rPr lang="en-ID" smtClean="0"/>
-              <a:t>16/09/2020</a:t>
+              <a:t>09/11/2023</a:t>
             </a:fld>
             <a:endParaRPr lang="en-ID"/>
           </a:p>
@@ -1781,7 +1781,7 @@
           <a:p>
             <a:fld id="{E8E0D8E0-1470-4F59-AEE9-F40E8DEA8D82}" type="datetimeFigureOut">
               <a:rPr lang="en-ID" smtClean="0"/>
-              <a:t>16/09/2020</a:t>
+              <a:t>09/11/2023</a:t>
             </a:fld>
             <a:endParaRPr lang="en-ID"/>
           </a:p>
@@ -2196,7 +2196,7 @@
           <a:p>
             <a:fld id="{E8E0D8E0-1470-4F59-AEE9-F40E8DEA8D82}" type="datetimeFigureOut">
               <a:rPr lang="en-ID" smtClean="0"/>
-              <a:t>16/09/2020</a:t>
+              <a:t>09/11/2023</a:t>
             </a:fld>
             <a:endParaRPr lang="en-ID"/>
           </a:p>
@@ -2338,7 +2338,7 @@
           <a:p>
             <a:fld id="{E8E0D8E0-1470-4F59-AEE9-F40E8DEA8D82}" type="datetimeFigureOut">
               <a:rPr lang="en-ID" smtClean="0"/>
-              <a:t>16/09/2020</a:t>
+              <a:t>09/11/2023</a:t>
             </a:fld>
             <a:endParaRPr lang="en-ID"/>
           </a:p>
@@ -2451,7 +2451,7 @@
           <a:p>
             <a:fld id="{E8E0D8E0-1470-4F59-AEE9-F40E8DEA8D82}" type="datetimeFigureOut">
               <a:rPr lang="en-ID" smtClean="0"/>
-              <a:t>16/09/2020</a:t>
+              <a:t>09/11/2023</a:t>
             </a:fld>
             <a:endParaRPr lang="en-ID"/>
           </a:p>
@@ -2764,7 +2764,7 @@
           <a:p>
             <a:fld id="{E8E0D8E0-1470-4F59-AEE9-F40E8DEA8D82}" type="datetimeFigureOut">
               <a:rPr lang="en-ID" smtClean="0"/>
-              <a:t>16/09/2020</a:t>
+              <a:t>09/11/2023</a:t>
             </a:fld>
             <a:endParaRPr lang="en-ID"/>
           </a:p>
@@ -3053,7 +3053,7 @@
           <a:p>
             <a:fld id="{E8E0D8E0-1470-4F59-AEE9-F40E8DEA8D82}" type="datetimeFigureOut">
               <a:rPr lang="en-ID" smtClean="0"/>
-              <a:t>16/09/2020</a:t>
+              <a:t>09/11/2023</a:t>
             </a:fld>
             <a:endParaRPr lang="en-ID"/>
           </a:p>
@@ -3296,7 +3296,7 @@
           <a:p>
             <a:fld id="{E8E0D8E0-1470-4F59-AEE9-F40E8DEA8D82}" type="datetimeFigureOut">
               <a:rPr lang="en-ID" smtClean="0"/>
-              <a:t>16/09/2020</a:t>
+              <a:t>09/11/2023</a:t>
             </a:fld>
             <a:endParaRPr lang="en-ID"/>
           </a:p>
@@ -17981,12 +17981,12 @@
           <a:graphicData uri="http://schemas.openxmlformats.org/presentationml/2006/ole">
             <mc:AlternateContent xmlns:mc="http://schemas.openxmlformats.org/markup-compatibility/2006">
               <mc:Choice xmlns:v="urn:schemas-microsoft-com:vml" Requires="v">
-                <p:oleObj spid="_x0000_s3109" name="Equation" r:id="rId3" imgW="3454400" imgH="469900" progId="Equation.3">
+                <p:oleObj name="Equation" r:id="rId2" imgW="3454400" imgH="469900" progId="Equation.3">
                   <p:embed/>
                 </p:oleObj>
               </mc:Choice>
               <mc:Fallback>
-                <p:oleObj name="Equation" r:id="rId3" imgW="3454400" imgH="469900" progId="Equation.3">
+                <p:oleObj name="Equation" r:id="rId2" imgW="3454400" imgH="469900" progId="Equation.3">
                   <p:embed/>
                   <p:pic>
                     <p:nvPicPr>
@@ -18003,7 +18003,7 @@
                       <p:nvPr/>
                     </p:nvPicPr>
                     <p:blipFill>
-                      <a:blip r:embed="rId4">
+                      <a:blip r:embed="rId3">
                         <a:extLst>
                           <a:ext uri="{28A0092B-C50C-407E-A947-70E740481C1C}">
                             <a14:useLocalDpi xmlns:a14="http://schemas.microsoft.com/office/drawing/2010/main" val="0"/>
